--- a/poster/poster43x31.pptx
+++ b/poster/poster43x31.pptx
@@ -140,6 +140,22 @@
       </a:defRPr>
     </a:lvl9pPr>
   </p:defaultTextStyle>
+  <p:extLst>
+    <p:ext uri="{EFAFB233-063F-42B5-8137-9DF3F51BA10A}">
+      <p15:sldGuideLst xmlns:p15="http://schemas.microsoft.com/office/powerpoint/2012/main">
+        <p15:guide id="1" orient="horz" pos="12384">
+          <p15:clr>
+            <a:srgbClr val="A4A3A4"/>
+          </p15:clr>
+        </p15:guide>
+        <p15:guide id="2" pos="8957">
+          <p15:clr>
+            <a:srgbClr val="A4A3A4"/>
+          </p15:clr>
+        </p15:guide>
+      </p15:sldGuideLst>
+    </p:ext>
+  </p:extLst>
 </p:presentation>
 </file>
 
@@ -772,15 +788,15 @@
             <a:tailEnd/>
           </a:ln>
           <a:extLst>
-            <a:ext uri="{909E8E84-426E-40dd-AFC4-6F175D3DCCD1}">
-              <a14:hiddenFill xmlns:a14="http://schemas.microsoft.com/office/drawing/2010/main">
-                <a:solidFill>
-                  <a:srgbClr val="FFFFFF"/>
-                </a:solidFill>
-              </a14:hiddenFill>
-            </a:ext>
             <a:ext uri="{FAA26D3D-D897-4be2-8F04-BA451C77F1D7}">
               <ma14:placeholderFlag xmlns:ma14="http://schemas.microsoft.com/office/mac/drawingml/2011/main" val="1"/>
+            </a:ext>
+            <a:ext uri="{909E8E84-426E-40dd-AFC4-6F175D3DCCD1}">
+              <a14:hiddenFill xmlns:a14="http://schemas.microsoft.com/office/drawing/2010/main" xmlns="">
+                <a:solidFill>
+                  <a:srgbClr val="FFFFFF"/>
+                </a:solidFill>
+              </a14:hiddenFill>
             </a:ext>
           </a:extLst>
         </p:spPr>
@@ -798,15 +814,18 @@
         <p:spPr bwMode="auto">
           <a:noFill/>
           <a:extLst>
+            <a:ext uri="{FAA26D3D-D897-4be2-8F04-BA451C77F1D7}">
+              <ma14:placeholderFlag xmlns:ma14="http://schemas.microsoft.com/office/mac/drawingml/2011/main" val="1"/>
+            </a:ext>
             <a:ext uri="{909E8E84-426E-40dd-AFC4-6F175D3DCCD1}">
-              <a14:hiddenFill xmlns:a14="http://schemas.microsoft.com/office/drawing/2010/main">
+              <a14:hiddenFill xmlns:a14="http://schemas.microsoft.com/office/drawing/2010/main" xmlns="">
                 <a:solidFill>
                   <a:srgbClr val="FFFFFF"/>
                 </a:solidFill>
               </a14:hiddenFill>
             </a:ext>
             <a:ext uri="{91240B29-F687-4f45-9708-019B960494DF}">
-              <a14:hiddenLine xmlns:a14="http://schemas.microsoft.com/office/drawing/2010/main" w="9525">
+              <a14:hiddenLine xmlns:a14="http://schemas.microsoft.com/office/drawing/2010/main" xmlns="" w="9525">
                 <a:solidFill>
                   <a:srgbClr val="000000"/>
                 </a:solidFill>
@@ -814,9 +833,6 @@
                 <a:headEnd/>
                 <a:tailEnd/>
               </a14:hiddenLine>
-            </a:ext>
-            <a:ext uri="{FAA26D3D-D897-4be2-8F04-BA451C77F1D7}">
-              <ma14:placeholderFlag xmlns:ma14="http://schemas.microsoft.com/office/mac/drawingml/2011/main" val="1"/>
             </a:ext>
           </a:extLst>
         </p:spPr>
@@ -836,6 +852,11 @@
         </p:txBody>
       </p:sp>
     </p:spTree>
+    <p:extLst>
+      <p:ext uri="{BB962C8B-B14F-4D97-AF65-F5344CB8AC3E}">
+        <p14:creationId xmlns:p14="http://schemas.microsoft.com/office/powerpoint/2010/main" val="1751114920"/>
+      </p:ext>
+    </p:extLst>
   </p:cSld>
   <p:clrMapOvr>
     <a:masterClrMapping/>
@@ -3487,15 +3508,18 @@
             <a:noFill/>
           </a:ln>
           <a:extLst>
+            <a:ext uri="{FAA26D3D-D897-4be2-8F04-BA451C77F1D7}">
+              <ma14:placeholderFlag xmlns:ma14="http://schemas.microsoft.com/office/mac/drawingml/2011/main" val="1"/>
+            </a:ext>
             <a:ext uri="{909E8E84-426E-40dd-AFC4-6F175D3DCCD1}">
-              <a14:hiddenFill xmlns:a14="http://schemas.microsoft.com/office/drawing/2010/main">
+              <a14:hiddenFill xmlns:a14="http://schemas.microsoft.com/office/drawing/2010/main" xmlns="">
                 <a:solidFill>
                   <a:srgbClr val="FFFFFF"/>
                 </a:solidFill>
               </a14:hiddenFill>
             </a:ext>
             <a:ext uri="{91240B29-F687-4f45-9708-019B960494DF}">
-              <a14:hiddenLine xmlns:a14="http://schemas.microsoft.com/office/drawing/2010/main" w="9525">
+              <a14:hiddenLine xmlns:a14="http://schemas.microsoft.com/office/drawing/2010/main" xmlns="" w="9525">
                 <a:solidFill>
                   <a:srgbClr val="000000"/>
                 </a:solidFill>
@@ -3503,9 +3527,6 @@
                 <a:headEnd/>
                 <a:tailEnd/>
               </a14:hiddenLine>
-            </a:ext>
-            <a:ext uri="{FAA26D3D-D897-4be2-8F04-BA451C77F1D7}">
-              <ma14:placeholderFlag xmlns:ma14="http://schemas.microsoft.com/office/mac/drawingml/2011/main" val="1"/>
             </a:ext>
           </a:extLst>
         </p:spPr>
@@ -3548,15 +3569,18 @@
             <a:noFill/>
           </a:ln>
           <a:extLst>
+            <a:ext uri="{FAA26D3D-D897-4be2-8F04-BA451C77F1D7}">
+              <ma14:placeholderFlag xmlns:ma14="http://schemas.microsoft.com/office/mac/drawingml/2011/main" val="1"/>
+            </a:ext>
             <a:ext uri="{909E8E84-426E-40dd-AFC4-6F175D3DCCD1}">
-              <a14:hiddenFill xmlns:a14="http://schemas.microsoft.com/office/drawing/2010/main">
+              <a14:hiddenFill xmlns:a14="http://schemas.microsoft.com/office/drawing/2010/main" xmlns="">
                 <a:solidFill>
                   <a:srgbClr val="FFFFFF"/>
                 </a:solidFill>
               </a14:hiddenFill>
             </a:ext>
             <a:ext uri="{91240B29-F687-4f45-9708-019B960494DF}">
-              <a14:hiddenLine xmlns:a14="http://schemas.microsoft.com/office/drawing/2010/main" w="9525">
+              <a14:hiddenLine xmlns:a14="http://schemas.microsoft.com/office/drawing/2010/main" xmlns="" w="9525">
                 <a:solidFill>
                   <a:srgbClr val="000000"/>
                 </a:solidFill>
@@ -3564,9 +3588,6 @@
                 <a:headEnd/>
                 <a:tailEnd/>
               </a14:hiddenLine>
-            </a:ext>
-            <a:ext uri="{FAA26D3D-D897-4be2-8F04-BA451C77F1D7}">
-              <ma14:placeholderFlag xmlns:ma14="http://schemas.microsoft.com/office/mac/drawingml/2011/main" val="1"/>
             </a:ext>
           </a:extLst>
         </p:spPr>
@@ -4207,14 +4228,14 @@
           </a:ln>
           <a:extLst>
             <a:ext uri="{909E8E84-426E-40dd-AFC4-6F175D3DCCD1}">
-              <a14:hiddenFill xmlns:a14="http://schemas.microsoft.com/office/drawing/2010/main">
+              <a14:hiddenFill xmlns:a14="http://schemas.microsoft.com/office/drawing/2010/main" xmlns="">
                 <a:solidFill>
                   <a:srgbClr val="FFFFFF"/>
                 </a:solidFill>
               </a14:hiddenFill>
             </a:ext>
             <a:ext uri="{91240B29-F687-4f45-9708-019B960494DF}">
-              <a14:hiddenLine xmlns:a14="http://schemas.microsoft.com/office/drawing/2010/main" w="9525">
+              <a14:hiddenLine xmlns:a14="http://schemas.microsoft.com/office/drawing/2010/main" xmlns="" w="9525">
                 <a:solidFill>
                   <a:srgbClr val="000000"/>
                 </a:solidFill>
@@ -4248,14 +4269,14 @@
           </a:ln>
           <a:extLst>
             <a:ext uri="{909E8E84-426E-40dd-AFC4-6F175D3DCCD1}">
-              <a14:hiddenFill xmlns:a14="http://schemas.microsoft.com/office/drawing/2010/main">
+              <a14:hiddenFill xmlns:a14="http://schemas.microsoft.com/office/drawing/2010/main" xmlns="">
                 <a:solidFill>
                   <a:srgbClr val="FFFFFF"/>
                 </a:solidFill>
               </a14:hiddenFill>
             </a:ext>
             <a:ext uri="{91240B29-F687-4f45-9708-019B960494DF}">
-              <a14:hiddenLine xmlns:a14="http://schemas.microsoft.com/office/drawing/2010/main" w="9525">
+              <a14:hiddenLine xmlns:a14="http://schemas.microsoft.com/office/drawing/2010/main" xmlns="" w="9525">
                 <a:solidFill>
                   <a:srgbClr val="000000"/>
                 </a:solidFill>
@@ -4380,13 +4401,7 @@
               <a:rPr lang="en-US" sz="7400" dirty="0" smtClean="0">
                 <a:latin typeface="Times" charset="0"/>
               </a:rPr>
-              <a:t>General Game Playing Agents </a:t>
-            </a:r>
-            <a:r>
-              <a:rPr lang="en-US" sz="7400" dirty="0" smtClean="0">
-                <a:latin typeface="Times" charset="0"/>
-              </a:rPr>
-              <a:t>for </a:t>
+              <a:t>General Game Playing Agents for </a:t>
             </a:r>
             <a:r>
               <a:rPr lang="en-US" sz="7400" smtClean="0">
@@ -4571,14 +4586,14 @@
           </a:ln>
           <a:extLst>
             <a:ext uri="{909E8E84-426E-40dd-AFC4-6F175D3DCCD1}">
-              <a14:hiddenFill xmlns:a14="http://schemas.microsoft.com/office/drawing/2010/main">
+              <a14:hiddenFill xmlns:a14="http://schemas.microsoft.com/office/drawing/2010/main" xmlns="">
                 <a:solidFill>
                   <a:srgbClr val="FFFFFF"/>
                 </a:solidFill>
               </a14:hiddenFill>
             </a:ext>
             <a:ext uri="{91240B29-F687-4f45-9708-019B960494DF}">
-              <a14:hiddenLine xmlns:a14="http://schemas.microsoft.com/office/drawing/2010/main" w="9525">
+              <a14:hiddenLine xmlns:a14="http://schemas.microsoft.com/office/drawing/2010/main" xmlns="" w="9525">
                 <a:solidFill>
                   <a:srgbClr val="000000"/>
                 </a:solidFill>
@@ -4844,14 +4859,14 @@
           </a:ln>
           <a:extLst>
             <a:ext uri="{909E8E84-426E-40dd-AFC4-6F175D3DCCD1}">
-              <a14:hiddenFill xmlns:a14="http://schemas.microsoft.com/office/drawing/2010/main">
+              <a14:hiddenFill xmlns:a14="http://schemas.microsoft.com/office/drawing/2010/main" xmlns="">
                 <a:solidFill>
                   <a:srgbClr val="FFFFFF"/>
                 </a:solidFill>
               </a14:hiddenFill>
             </a:ext>
             <a:ext uri="{91240B29-F687-4f45-9708-019B960494DF}">
-              <a14:hiddenLine xmlns:a14="http://schemas.microsoft.com/office/drawing/2010/main" w="9525">
+              <a14:hiddenLine xmlns:a14="http://schemas.microsoft.com/office/drawing/2010/main" xmlns="" w="9525">
                 <a:solidFill>
                   <a:srgbClr val="000000"/>
                 </a:solidFill>
@@ -4976,49 +4991,7 @@
               <a:rPr lang="en-US" sz="3700" b="1" dirty="0" smtClean="0">
                 <a:latin typeface="Times" charset="0"/>
               </a:rPr>
-              <a:t>General Game Playing is a subfield of Artificial Intelligence that seeks to </a:t>
-            </a:r>
-            <a:r>
-              <a:rPr lang="en-US" sz="3700" b="1" dirty="0" smtClean="0">
-                <a:latin typeface="Times" charset="0"/>
-              </a:rPr>
-              <a:t>develop agents </a:t>
-            </a:r>
-            <a:r>
-              <a:rPr lang="en-US" sz="3700" b="1" dirty="0" smtClean="0">
-                <a:latin typeface="Times" charset="0"/>
-              </a:rPr>
-              <a:t>that are capable of playing </a:t>
-            </a:r>
-            <a:r>
-              <a:rPr lang="en-US" sz="3700" b="1" dirty="0" smtClean="0">
-                <a:latin typeface="Times" charset="0"/>
-              </a:rPr>
-              <a:t>many </a:t>
-            </a:r>
-            <a:r>
-              <a:rPr lang="en-US" sz="3700" b="1" dirty="0" smtClean="0">
-                <a:latin typeface="Times" charset="0"/>
-              </a:rPr>
-              <a:t>games </a:t>
-            </a:r>
-            <a:r>
-              <a:rPr lang="en-US" sz="3700" b="1" dirty="0" smtClean="0">
-                <a:latin typeface="Times" charset="0"/>
-              </a:rPr>
-              <a:t>rather than being </a:t>
-            </a:r>
-            <a:r>
-              <a:rPr lang="en-US" sz="3700" b="1" dirty="0" smtClean="0">
-                <a:latin typeface="Times" charset="0"/>
-              </a:rPr>
-              <a:t>tailored and limited to </a:t>
-            </a:r>
-            <a:r>
-              <a:rPr lang="en-US" sz="3700" b="1" dirty="0" smtClean="0">
-                <a:latin typeface="Times" charset="0"/>
-              </a:rPr>
-              <a:t>particular game. A popular approach includes Monte </a:t>
+              <a:t>General Game Playing is a subfield of Artificial Intelligence that seeks to develop agents that are capable of playing many games rather than being tailored and limited to particular game. A popular approach includes Monte </a:t>
             </a:r>
             <a:r>
               <a:rPr lang="en-US" sz="3700" b="1" dirty="0">
@@ -5108,14 +5081,14 @@
           </a:ln>
           <a:extLst>
             <a:ext uri="{909E8E84-426E-40dd-AFC4-6F175D3DCCD1}">
-              <a14:hiddenFill xmlns:a14="http://schemas.microsoft.com/office/drawing/2010/main">
+              <a14:hiddenFill xmlns:a14="http://schemas.microsoft.com/office/drawing/2010/main" xmlns="">
                 <a:solidFill>
                   <a:srgbClr val="FFFFFF"/>
                 </a:solidFill>
               </a14:hiddenFill>
             </a:ext>
             <a:ext uri="{91240B29-F687-4f45-9708-019B960494DF}">
-              <a14:hiddenLine xmlns:a14="http://schemas.microsoft.com/office/drawing/2010/main" w="9525">
+              <a14:hiddenLine xmlns:a14="http://schemas.microsoft.com/office/drawing/2010/main" xmlns="" w="9525">
                 <a:solidFill>
                   <a:srgbClr val="000000"/>
                 </a:solidFill>
@@ -5466,14 +5439,14 @@
           </a:ln>
           <a:extLst>
             <a:ext uri="{909E8E84-426E-40dd-AFC4-6F175D3DCCD1}">
-              <a14:hiddenFill xmlns:a14="http://schemas.microsoft.com/office/drawing/2010/main">
+              <a14:hiddenFill xmlns:a14="http://schemas.microsoft.com/office/drawing/2010/main" xmlns="">
                 <a:solidFill>
                   <a:srgbClr val="FFFFFF"/>
                 </a:solidFill>
               </a14:hiddenFill>
             </a:ext>
             <a:ext uri="{91240B29-F687-4f45-9708-019B960494DF}">
-              <a14:hiddenLine xmlns:a14="http://schemas.microsoft.com/office/drawing/2010/main" w="9525">
+              <a14:hiddenLine xmlns:a14="http://schemas.microsoft.com/office/drawing/2010/main" xmlns="" w="9525">
                 <a:solidFill>
                   <a:srgbClr val="000000"/>
                 </a:solidFill>
@@ -6086,14 +6059,14 @@
           </a:ln>
           <a:extLst>
             <a:ext uri="{909E8E84-426E-40dd-AFC4-6F175D3DCCD1}">
-              <a14:hiddenFill xmlns:a14="http://schemas.microsoft.com/office/drawing/2010/main">
+              <a14:hiddenFill xmlns:a14="http://schemas.microsoft.com/office/drawing/2010/main" xmlns="">
                 <a:solidFill>
                   <a:srgbClr val="FFFFFF"/>
                 </a:solidFill>
               </a14:hiddenFill>
             </a:ext>
             <a:ext uri="{91240B29-F687-4f45-9708-019B960494DF}">
-              <a14:hiddenLine xmlns:a14="http://schemas.microsoft.com/office/drawing/2010/main" w="9525">
+              <a14:hiddenLine xmlns:a14="http://schemas.microsoft.com/office/drawing/2010/main" xmlns="" w="9525">
                 <a:solidFill>
                   <a:srgbClr val="000000"/>
                 </a:solidFill>
@@ -6251,14 +6224,14 @@
           </a:ln>
           <a:extLst>
             <a:ext uri="{909E8E84-426E-40dd-AFC4-6F175D3DCCD1}">
-              <a14:hiddenFill xmlns:a14="http://schemas.microsoft.com/office/drawing/2010/main">
+              <a14:hiddenFill xmlns:a14="http://schemas.microsoft.com/office/drawing/2010/main" xmlns="">
                 <a:solidFill>
                   <a:srgbClr val="FFFFFF"/>
                 </a:solidFill>
               </a14:hiddenFill>
             </a:ext>
             <a:ext uri="{91240B29-F687-4f45-9708-019B960494DF}">
-              <a14:hiddenLine xmlns:a14="http://schemas.microsoft.com/office/drawing/2010/main" w="9525">
+              <a14:hiddenLine xmlns:a14="http://schemas.microsoft.com/office/drawing/2010/main" xmlns="" w="9525">
                 <a:solidFill>
                   <a:srgbClr val="000000"/>
                 </a:solidFill>
@@ -6559,7 +6532,7 @@
         <p:spPr bwMode="auto">
           <a:xfrm>
             <a:off x="1466850" y="21848763"/>
-            <a:ext cx="7086600" cy="8718534"/>
+            <a:ext cx="7086600" cy="10242029"/>
           </a:xfrm>
           <a:prstGeom prst="rect">
             <a:avLst/>
@@ -6570,14 +6543,14 @@
           </a:ln>
           <a:extLst>
             <a:ext uri="{909E8E84-426E-40dd-AFC4-6F175D3DCCD1}">
-              <a14:hiddenFill xmlns:a14="http://schemas.microsoft.com/office/drawing/2010/main">
+              <a14:hiddenFill xmlns:a14="http://schemas.microsoft.com/office/drawing/2010/main" xmlns="">
                 <a:solidFill>
                   <a:srgbClr val="FFFFFF"/>
                 </a:solidFill>
               </a14:hiddenFill>
             </a:ext>
             <a:ext uri="{91240B29-F687-4f45-9708-019B960494DF}">
-              <a14:hiddenLine xmlns:a14="http://schemas.microsoft.com/office/drawing/2010/main" w="9525">
+              <a14:hiddenLine xmlns:a14="http://schemas.microsoft.com/office/drawing/2010/main" xmlns="" w="9525">
                 <a:solidFill>
                   <a:srgbClr val="000000"/>
                 </a:solidFill>
@@ -6723,13 +6696,13 @@
               <a:rPr lang="en-US" sz="3300" dirty="0" smtClean="0">
                 <a:latin typeface="Times" charset="0"/>
               </a:rPr>
-              <a:t>against heuristic </a:t>
+              <a:t>against heuristic agents</a:t>
             </a:r>
             <a:r>
               <a:rPr lang="en-US" sz="3300" dirty="0" smtClean="0">
                 <a:latin typeface="Times" charset="0"/>
               </a:rPr>
-              <a:t>agents.</a:t>
+              <a:t>.</a:t>
             </a:r>
           </a:p>
           <a:p>
@@ -6737,13 +6710,7 @@
               <a:buFont typeface="Calibri" charset="0"/>
               <a:buAutoNum type="arabicParenR"/>
             </a:pPr>
-            <a:r>
-              <a:rPr lang="en-US" sz="3300" dirty="0" smtClean="0">
-                <a:latin typeface="Times" charset="0"/>
-              </a:rPr>
-              <a:t>Assess the success of the algorithm across variations of the game 2048, including (a) different grid sizes, (b) different score systems, (c) different tile-spawning schemes.</a:t>
-            </a:r>
-            <a:endParaRPr lang="en-US" sz="3300" dirty="0">
+            <a:endParaRPr lang="en-US" sz="3300" dirty="0" smtClean="0">
               <a:latin typeface="Times" charset="0"/>
             </a:endParaRPr>
           </a:p>
@@ -6753,6 +6720,33 @@
               <a:buAutoNum type="arabicParenR"/>
             </a:pPr>
             <a:r>
+              <a:rPr lang="en-US" sz="3300" dirty="0" smtClean="0">
+                <a:latin typeface="Times" charset="0"/>
+              </a:rPr>
+              <a:t>Assess the success of the algorithm across variations of the game 2048, including (a) different grid sizes, (b) different score systems, (c) different tile-spawning schemes</a:t>
+            </a:r>
+            <a:r>
+              <a:rPr lang="en-US" sz="3300" dirty="0" smtClean="0">
+                <a:latin typeface="Times" charset="0"/>
+              </a:rPr>
+              <a:t>.</a:t>
+            </a:r>
+          </a:p>
+          <a:p>
+            <a:pPr eaLnBrk="1" hangingPunct="1">
+              <a:buFont typeface="Calibri" charset="0"/>
+              <a:buAutoNum type="arabicParenR"/>
+            </a:pPr>
+            <a:endParaRPr lang="en-US" sz="3300" dirty="0">
+              <a:latin typeface="Times" charset="0"/>
+            </a:endParaRPr>
+          </a:p>
+          <a:p>
+            <a:pPr eaLnBrk="1" hangingPunct="1">
+              <a:buFont typeface="Calibri" charset="0"/>
+              <a:buAutoNum type="arabicParenR"/>
+            </a:pPr>
+            <a:r>
               <a:rPr lang="en-US" sz="3300" dirty="0">
                 <a:latin typeface="Times" charset="0"/>
               </a:rPr>
@@ -6774,20 +6768,23 @@
               <a:rPr lang="en-US" sz="3300" dirty="0" smtClean="0">
                 <a:latin typeface="Times" charset="0"/>
               </a:rPr>
-              <a:t>. Then, re-compare </a:t>
+              <a:t>. Then, re-compare this improved AI to others</a:t>
             </a:r>
             <a:r>
               <a:rPr lang="en-US" sz="3300" dirty="0" smtClean="0">
                 <a:latin typeface="Times" charset="0"/>
               </a:rPr>
-              <a:t>this </a:t>
-            </a:r>
-            <a:r>
-              <a:rPr lang="en-US" sz="3300" dirty="0" smtClean="0">
-                <a:latin typeface="Times" charset="0"/>
-              </a:rPr>
-              <a:t>improved AI to others.</a:t>
-            </a:r>
+              <a:t>.</a:t>
+            </a:r>
+          </a:p>
+          <a:p>
+            <a:pPr eaLnBrk="1" hangingPunct="1">
+              <a:buFont typeface="Calibri" charset="0"/>
+              <a:buAutoNum type="arabicParenR"/>
+            </a:pPr>
+            <a:endParaRPr lang="en-US" sz="3300" dirty="0" smtClean="0">
+              <a:latin typeface="Times" charset="0"/>
+            </a:endParaRPr>
           </a:p>
           <a:p>
             <a:pPr eaLnBrk="1" hangingPunct="1">
@@ -6828,14 +6825,14 @@
           </a:ln>
           <a:extLst>
             <a:ext uri="{909E8E84-426E-40dd-AFC4-6F175D3DCCD1}">
-              <a14:hiddenFill xmlns:a14="http://schemas.microsoft.com/office/drawing/2010/main">
+              <a14:hiddenFill xmlns:a14="http://schemas.microsoft.com/office/drawing/2010/main" xmlns="">
                 <a:solidFill>
                   <a:srgbClr val="FFFFFF"/>
                 </a:solidFill>
               </a14:hiddenFill>
             </a:ext>
             <a:ext uri="{91240B29-F687-4f45-9708-019B960494DF}">
-              <a14:hiddenLine xmlns:a14="http://schemas.microsoft.com/office/drawing/2010/main" w="9525">
+              <a14:hiddenLine xmlns:a14="http://schemas.microsoft.com/office/drawing/2010/main" xmlns="" w="9525">
                 <a:solidFill>
                   <a:srgbClr val="000000"/>
                 </a:solidFill>
@@ -7168,7 +7165,7 @@
         </p:nvSpPr>
         <p:spPr bwMode="auto">
           <a:xfrm>
-            <a:off x="1147763" y="37609463"/>
+            <a:off x="1147763" y="37730670"/>
             <a:ext cx="25995312" cy="715962"/>
           </a:xfrm>
           <a:prstGeom prst="rect">
@@ -7180,14 +7177,14 @@
           </a:ln>
           <a:extLst>
             <a:ext uri="{909E8E84-426E-40dd-AFC4-6F175D3DCCD1}">
-              <a14:hiddenFill xmlns:a14="http://schemas.microsoft.com/office/drawing/2010/main">
+              <a14:hiddenFill xmlns:a14="http://schemas.microsoft.com/office/drawing/2010/main" xmlns="">
                 <a:solidFill>
                   <a:srgbClr val="FFFFFF"/>
                 </a:solidFill>
               </a14:hiddenFill>
             </a:ext>
             <a:ext uri="{91240B29-F687-4f45-9708-019B960494DF}">
-              <a14:hiddenLine xmlns:a14="http://schemas.microsoft.com/office/drawing/2010/main" w="9525">
+              <a14:hiddenLine xmlns:a14="http://schemas.microsoft.com/office/drawing/2010/main" xmlns="" w="9525">
                 <a:solidFill>
                   <a:srgbClr val="000000"/>
                 </a:solidFill>
@@ -7309,12 +7306,12 @@
           <a:p>
             <a:pPr algn="ctr" eaLnBrk="1" hangingPunct="1"/>
             <a:r>
-              <a:rPr lang="en-US" sz="4100">
+              <a:rPr lang="en-US" sz="4100" dirty="0">
                 <a:latin typeface="Helvetica" charset="0"/>
               </a:rPr>
               <a:t>John A. Paulson School of Engineering and Applied Sciences</a:t>
             </a:r>
-            <a:endParaRPr lang="en-US" sz="7600"/>
+            <a:endParaRPr lang="en-US" sz="7600" dirty="0"/>
           </a:p>
         </p:txBody>
       </p:sp>
@@ -7341,7 +7338,7 @@
         </p:blipFill>
         <p:spPr bwMode="auto">
           <a:xfrm>
-            <a:off x="9005880" y="11252200"/>
+            <a:off x="9005880" y="11186127"/>
             <a:ext cx="10394950" cy="4529138"/>
           </a:xfrm>
           <a:prstGeom prst="rect">
@@ -7353,14 +7350,14 @@
           </a:ln>
           <a:extLst>
             <a:ext uri="{909E8E84-426E-40dd-AFC4-6F175D3DCCD1}">
-              <a14:hiddenFill xmlns:a14="http://schemas.microsoft.com/office/drawing/2010/main">
+              <a14:hiddenFill xmlns:a14="http://schemas.microsoft.com/office/drawing/2010/main" xmlns="">
                 <a:solidFill>
                   <a:srgbClr val="FFFFFF"/>
                 </a:solidFill>
               </a14:hiddenFill>
             </a:ext>
             <a:ext uri="{91240B29-F687-4f45-9708-019B960494DF}">
-              <a14:hiddenLine xmlns:a14="http://schemas.microsoft.com/office/drawing/2010/main" w="9525">
+              <a14:hiddenLine xmlns:a14="http://schemas.microsoft.com/office/drawing/2010/main" xmlns="" w="9525">
                 <a:solidFill>
                   <a:srgbClr val="000000"/>
                 </a:solidFill>
@@ -7394,14 +7391,14 @@
           </a:ln>
           <a:extLst>
             <a:ext uri="{909E8E84-426E-40dd-AFC4-6F175D3DCCD1}">
-              <a14:hiddenFill xmlns:a14="http://schemas.microsoft.com/office/drawing/2010/main">
+              <a14:hiddenFill xmlns:a14="http://schemas.microsoft.com/office/drawing/2010/main" xmlns="">
                 <a:solidFill>
                   <a:srgbClr val="FFFFFF"/>
                 </a:solidFill>
               </a14:hiddenFill>
             </a:ext>
             <a:ext uri="{91240B29-F687-4f45-9708-019B960494DF}">
-              <a14:hiddenLine xmlns:a14="http://schemas.microsoft.com/office/drawing/2010/main" w="9525">
+              <a14:hiddenLine xmlns:a14="http://schemas.microsoft.com/office/drawing/2010/main" xmlns="" w="9525">
                 <a:solidFill>
                   <a:srgbClr val="000000"/>
                 </a:solidFill>
@@ -7614,8 +7611,8 @@
         </p:blipFill>
         <p:spPr bwMode="auto">
           <a:xfrm>
-            <a:off x="2438437" y="31026947"/>
-            <a:ext cx="5111750" cy="5121275"/>
+            <a:off x="2874113" y="32090792"/>
+            <a:ext cx="4060334" cy="4067900"/>
           </a:xfrm>
           <a:prstGeom prst="rect">
             <a:avLst/>
@@ -7626,14 +7623,14 @@
           </a:ln>
           <a:extLst>
             <a:ext uri="{909E8E84-426E-40dd-AFC4-6F175D3DCCD1}">
-              <a14:hiddenFill xmlns:a14="http://schemas.microsoft.com/office/drawing/2010/main">
+              <a14:hiddenFill xmlns:a14="http://schemas.microsoft.com/office/drawing/2010/main" xmlns="">
                 <a:solidFill>
                   <a:srgbClr val="FFFFFF"/>
                 </a:solidFill>
               </a14:hiddenFill>
             </a:ext>
             <a:ext uri="{91240B29-F687-4f45-9708-019B960494DF}">
-              <a14:hiddenLine xmlns:a14="http://schemas.microsoft.com/office/drawing/2010/main" w="9525">
+              <a14:hiddenLine xmlns:a14="http://schemas.microsoft.com/office/drawing/2010/main" xmlns="" w="9525">
                 <a:solidFill>
                   <a:srgbClr val="000000"/>
                 </a:solidFill>
@@ -7656,7 +7653,7 @@
         <p:spPr bwMode="auto">
           <a:xfrm>
             <a:off x="9705975" y="22796957"/>
-            <a:ext cx="8858248" cy="13796844"/>
+            <a:ext cx="8858248" cy="14812510"/>
           </a:xfrm>
           <a:prstGeom prst="rect">
             <a:avLst/>
@@ -7667,14 +7664,14 @@
           </a:ln>
           <a:extLst>
             <a:ext uri="{909E8E84-426E-40dd-AFC4-6F175D3DCCD1}">
-              <a14:hiddenFill xmlns:a14="http://schemas.microsoft.com/office/drawing/2010/main">
+              <a14:hiddenFill xmlns:a14="http://schemas.microsoft.com/office/drawing/2010/main" xmlns="">
                 <a:solidFill>
                   <a:srgbClr val="FFFFFF"/>
                 </a:solidFill>
               </a14:hiddenFill>
             </a:ext>
             <a:ext uri="{91240B29-F687-4f45-9708-019B960494DF}">
-              <a14:hiddenLine xmlns:a14="http://schemas.microsoft.com/office/drawing/2010/main" w="9525">
+              <a14:hiddenLine xmlns:a14="http://schemas.microsoft.com/office/drawing/2010/main" xmlns="" w="9525">
                 <a:solidFill>
                   <a:srgbClr val="000000"/>
                 </a:solidFill>
@@ -7802,31 +7799,13 @@
               <a:rPr lang="en-US" sz="3300" dirty="0" smtClean="0">
                 <a:latin typeface="Times" charset="0"/>
               </a:rPr>
-              <a:t>Baseline: a run-through of one thousand simulations of traditional 2048 play revealed an average score of 1087 and a highest tile of 256. In comparison, one thousand simulations of gameplay there is a ranking of preferred moves resulted in an average score of 2530 and a highest tile of 512. With such a simple change, the score duplicated and a greater tile was achieved. </a:t>
+              <a:t>Baseline: a run-through of one thousand simulations of traditional 2048 play revealed an average score of 1087 and a highest tile of 256. In comparison, one thousand simulations of gameplay there is a ranking of preferred moves resulted in an average score of 2530 and a highest tile of 512. With such a simple change, the score duplicated and a greater tile was achieved. Clearly, the game is ripe for better game-playing agents</a:t>
             </a:r>
             <a:r>
               <a:rPr lang="en-US" sz="3300" dirty="0" smtClean="0">
                 <a:latin typeface="Times" charset="0"/>
               </a:rPr>
-              <a:t>Clearly, </a:t>
-            </a:r>
-            <a:r>
-              <a:rPr lang="en-US" sz="3300" dirty="0" smtClean="0">
-                <a:latin typeface="Times" charset="0"/>
-              </a:rPr>
-              <a:t>the game is </a:t>
-            </a:r>
-            <a:r>
-              <a:rPr lang="en-US" sz="3300" dirty="0" smtClean="0">
-                <a:latin typeface="Times" charset="0"/>
-              </a:rPr>
-              <a:t>ripe </a:t>
-            </a:r>
-            <a:r>
-              <a:rPr lang="en-US" sz="3300" dirty="0" smtClean="0">
-                <a:latin typeface="Times" charset="0"/>
-              </a:rPr>
-              <a:t>for better game-playing agents.</a:t>
+              <a:t>.</a:t>
             </a:r>
           </a:p>
           <a:p>
@@ -7834,30 +7813,6 @@
               <a:buFont typeface="Calibri" charset="0"/>
               <a:buAutoNum type="arabicParenR"/>
             </a:pPr>
-            <a:r>
-              <a:rPr lang="en-US" sz="3300" dirty="0" smtClean="0">
-                <a:latin typeface="Times" charset="0"/>
-              </a:rPr>
-              <a:t>MCTS should succeed in improving upon the baseline for each of the various variations. Particularly, it is likely to succeed more in games with low stochastic variation; the more a simulated move is representative of future success, the </a:t>
-            </a:r>
-            <a:r>
-              <a:rPr lang="en-US" sz="3300" dirty="0" smtClean="0">
-                <a:latin typeface="Times" charset="0"/>
-              </a:rPr>
-              <a:t>greater the likelihood that the </a:t>
-            </a:r>
-            <a:r>
-              <a:rPr lang="en-US" sz="3300" dirty="0" smtClean="0">
-                <a:latin typeface="Times" charset="0"/>
-              </a:rPr>
-              <a:t>MCTS agent </a:t>
-            </a:r>
-            <a:r>
-              <a:rPr lang="en-US" sz="3300" dirty="0" smtClean="0">
-                <a:latin typeface="Times" charset="0"/>
-              </a:rPr>
-              <a:t>selects the optimal move.</a:t>
-            </a:r>
             <a:endParaRPr lang="en-US" sz="3300" dirty="0" smtClean="0">
               <a:latin typeface="Times" charset="0"/>
             </a:endParaRPr>
@@ -7871,19 +7826,34 @@
               <a:rPr lang="en-US" sz="3300" dirty="0" smtClean="0">
                 <a:latin typeface="Times" charset="0"/>
               </a:rPr>
-              <a:t>MCTS plus heuristic implementations should have a significant improvement over simply MCTS</a:t>
+              <a:t>MCTS should succeed in improving upon the baseline for each of the various variations. Particularly, it is likely to succeed more in games with low stochastic variation; the more a simulated move is representative of future success, the greater the likelihood that the MCTS agent selects the optimal move</a:t>
             </a:r>
             <a:r>
               <a:rPr lang="en-US" sz="3300" dirty="0" smtClean="0">
                 <a:latin typeface="Times" charset="0"/>
               </a:rPr>
-              <a:t>. 2048 </a:t>
-            </a:r>
+              <a:t>.</a:t>
+            </a:r>
+          </a:p>
+          <a:p>
+            <a:pPr eaLnBrk="1" hangingPunct="1">
+              <a:buFont typeface="Calibri" charset="0"/>
+              <a:buAutoNum type="arabicParenR"/>
+            </a:pPr>
+            <a:endParaRPr lang="en-US" sz="3300" dirty="0" smtClean="0">
+              <a:latin typeface="Times" charset="0"/>
+            </a:endParaRPr>
+          </a:p>
+          <a:p>
+            <a:pPr eaLnBrk="1" hangingPunct="1">
+              <a:buFont typeface="Calibri" charset="0"/>
+              <a:buAutoNum type="arabicParenR"/>
+            </a:pPr>
             <a:r>
               <a:rPr lang="en-US" sz="3300" dirty="0" smtClean="0">
                 <a:latin typeface="Times" charset="0"/>
               </a:rPr>
-              <a:t>games have a short- and long-term trade-off, where seeking short-term gains is not a viable long-term solution given that maximizing score in any given move can destroy the tiling order necessary for a long-term goal. Therefore, a MCTS agent with heuristics should be more successful and less computationally taxing.</a:t>
+              <a:t>MCTS plus heuristic implementations should have a significant improvement over simply MCTS. 2048 games have a short- and long-term trade-off, where seeking short-term gains is not a viable long-term solution given that maximizing score in any given move can destroy the tiling order necessary for a long-term goal. Therefore, a MCTS agent with heuristics should be more successful and less computationally taxing.</a:t>
             </a:r>
           </a:p>
         </p:txBody>
@@ -7940,14 +7910,14 @@
           </a:ln>
           <a:extLst>
             <a:ext uri="{909E8E84-426E-40dd-AFC4-6F175D3DCCD1}">
-              <a14:hiddenFill xmlns:a14="http://schemas.microsoft.com/office/drawing/2010/main">
+              <a14:hiddenFill xmlns:a14="http://schemas.microsoft.com/office/drawing/2010/main" xmlns="">
                 <a:solidFill>
                   <a:srgbClr val="FFFFFF"/>
                 </a:solidFill>
               </a14:hiddenFill>
             </a:ext>
             <a:ext uri="{91240B29-F687-4f45-9708-019B960494DF}">
-              <a14:hiddenLine xmlns:a14="http://schemas.microsoft.com/office/drawing/2010/main" w="9525">
+              <a14:hiddenLine xmlns:a14="http://schemas.microsoft.com/office/drawing/2010/main" xmlns="" w="9525">
                 <a:solidFill>
                   <a:srgbClr val="000000"/>
                 </a:solidFill>
@@ -8108,14 +8078,14 @@
           </a:ln>
           <a:extLst>
             <a:ext uri="{909E8E84-426E-40dd-AFC4-6F175D3DCCD1}">
-              <a14:hiddenFill xmlns:a14="http://schemas.microsoft.com/office/drawing/2010/main">
+              <a14:hiddenFill xmlns:a14="http://schemas.microsoft.com/office/drawing/2010/main" xmlns="">
                 <a:solidFill>
                   <a:srgbClr val="FFFFFF"/>
                 </a:solidFill>
               </a14:hiddenFill>
             </a:ext>
             <a:ext uri="{91240B29-F687-4f45-9708-019B960494DF}">
-              <a14:hiddenLine xmlns:a14="http://schemas.microsoft.com/office/drawing/2010/main" w="9525">
+              <a14:hiddenLine xmlns:a14="http://schemas.microsoft.com/office/drawing/2010/main" xmlns="" w="9525">
                 <a:solidFill>
                   <a:srgbClr val="000000"/>
                 </a:solidFill>
